--- a/customer_segmentation_presentation.pptx
+++ b/customer_segmentation_presentation.pptx
@@ -11,10 +11,11 @@
     <p:sldId id="259" r:id="rId5"/>
     <p:sldId id="260" r:id="rId6"/>
     <p:sldId id="261" r:id="rId7"/>
-    <p:sldId id="262" r:id="rId8"/>
-    <p:sldId id="263" r:id="rId9"/>
-    <p:sldId id="264" r:id="rId10"/>
-    <p:sldId id="265" r:id="rId11"/>
+    <p:sldId id="267" r:id="rId8"/>
+    <p:sldId id="262" r:id="rId9"/>
+    <p:sldId id="263" r:id="rId10"/>
+    <p:sldId id="264" r:id="rId11"/>
+    <p:sldId id="265" r:id="rId12"/>
   </p:sldIdLst>
   <p:sldSz cx="9144000" cy="6858000" type="screen4x3"/>
   <p:notesSz cx="6858000" cy="9144000"/>
@@ -136,8 +137,8 @@
 <pc:chgInfo xmlns:a="http://schemas.openxmlformats.org/drawingml/2006/main" xmlns:r="http://schemas.openxmlformats.org/officeDocument/2006/relationships" xmlns:ac="http://schemas.microsoft.com/office/drawing/2013/main/command" xmlns:pc="http://schemas.microsoft.com/office/powerpoint/2013/main/command">
   <pc:docChgLst>
     <pc:chgData name="sivaseetharaman pandi" userId="fdc0c186c8bad6af" providerId="LiveId" clId="{8C712495-91E9-464E-AF91-45BC83A0EA65}"/>
-    <pc:docChg chg="undo custSel modSld">
-      <pc:chgData name="sivaseetharaman pandi" userId="fdc0c186c8bad6af" providerId="LiveId" clId="{8C712495-91E9-464E-AF91-45BC83A0EA65}" dt="2025-04-29T04:18:52.191" v="229" actId="1036"/>
+    <pc:docChg chg="undo custSel addSld delSld modSld">
+      <pc:chgData name="sivaseetharaman pandi" userId="fdc0c186c8bad6af" providerId="LiveId" clId="{8C712495-91E9-464E-AF91-45BC83A0EA65}" dt="2025-04-29T05:39:47.649" v="264" actId="27636"/>
       <pc:docMkLst>
         <pc:docMk/>
       </pc:docMkLst>
@@ -395,6 +396,68 @@
           </ac:spMkLst>
         </pc:spChg>
       </pc:sldChg>
+      <pc:sldChg chg="new del">
+        <pc:chgData name="sivaseetharaman pandi" userId="fdc0c186c8bad6af" providerId="LiveId" clId="{8C712495-91E9-464E-AF91-45BC83A0EA65}" dt="2025-04-29T05:35:22.195" v="232" actId="47"/>
+        <pc:sldMkLst>
+          <pc:docMk/>
+          <pc:sldMk cId="1136674380" sldId="266"/>
+        </pc:sldMkLst>
+      </pc:sldChg>
+      <pc:sldChg chg="addSp delSp modSp add mod">
+        <pc:chgData name="sivaseetharaman pandi" userId="fdc0c186c8bad6af" providerId="LiveId" clId="{8C712495-91E9-464E-AF91-45BC83A0EA65}" dt="2025-04-29T05:39:47.649" v="264" actId="27636"/>
+        <pc:sldMkLst>
+          <pc:docMk/>
+          <pc:sldMk cId="3581140807" sldId="267"/>
+        </pc:sldMkLst>
+        <pc:spChg chg="mod">
+          <ac:chgData name="sivaseetharaman pandi" userId="fdc0c186c8bad6af" providerId="LiveId" clId="{8C712495-91E9-464E-AF91-45BC83A0EA65}" dt="2025-04-29T05:35:43.519" v="238" actId="14100"/>
+          <ac:spMkLst>
+            <pc:docMk/>
+            <pc:sldMk cId="3581140807" sldId="267"/>
+            <ac:spMk id="2" creationId="{DAEF0B5F-8C34-65EF-9053-0A428829B022}"/>
+          </ac:spMkLst>
+        </pc:spChg>
+        <pc:spChg chg="add del mod">
+          <ac:chgData name="sivaseetharaman pandi" userId="fdc0c186c8bad6af" providerId="LiveId" clId="{8C712495-91E9-464E-AF91-45BC83A0EA65}" dt="2025-04-29T05:39:47.649" v="264" actId="27636"/>
+          <ac:spMkLst>
+            <pc:docMk/>
+            <pc:sldMk cId="3581140807" sldId="267"/>
+            <ac:spMk id="3" creationId="{FC363167-790F-1581-F179-02F8427F0DAA}"/>
+          </ac:spMkLst>
+        </pc:spChg>
+        <pc:spChg chg="add">
+          <ac:chgData name="sivaseetharaman pandi" userId="fdc0c186c8bad6af" providerId="LiveId" clId="{8C712495-91E9-464E-AF91-45BC83A0EA65}" dt="2025-04-29T05:36:04.685" v="243"/>
+          <ac:spMkLst>
+            <pc:docMk/>
+            <pc:sldMk cId="3581140807" sldId="267"/>
+            <ac:spMk id="4" creationId="{B36656B2-71A8-816F-3AC2-159B67AC2149}"/>
+          </ac:spMkLst>
+        </pc:spChg>
+        <pc:spChg chg="add mod">
+          <ac:chgData name="sivaseetharaman pandi" userId="fdc0c186c8bad6af" providerId="LiveId" clId="{8C712495-91E9-464E-AF91-45BC83A0EA65}" dt="2025-04-29T05:36:40.650" v="246"/>
+          <ac:spMkLst>
+            <pc:docMk/>
+            <pc:sldMk cId="3581140807" sldId="267"/>
+            <ac:spMk id="6" creationId="{50DE337E-16E2-92D8-9607-140FFB786332}"/>
+          </ac:spMkLst>
+        </pc:spChg>
+        <pc:picChg chg="del">
+          <ac:chgData name="sivaseetharaman pandi" userId="fdc0c186c8bad6af" providerId="LiveId" clId="{8C712495-91E9-464E-AF91-45BC83A0EA65}" dt="2025-04-29T05:35:54.963" v="239" actId="478"/>
+          <ac:picMkLst>
+            <pc:docMk/>
+            <pc:sldMk cId="3581140807" sldId="267"/>
+            <ac:picMk id="5" creationId="{98B440C0-B31F-A974-7E02-D36233C51726}"/>
+          </ac:picMkLst>
+        </pc:picChg>
+        <pc:picChg chg="add mod">
+          <ac:chgData name="sivaseetharaman pandi" userId="fdc0c186c8bad6af" providerId="LiveId" clId="{8C712495-91E9-464E-AF91-45BC83A0EA65}" dt="2025-04-29T05:39:43.440" v="262" actId="1076"/>
+          <ac:picMkLst>
+            <pc:docMk/>
+            <pc:sldMk cId="3581140807" sldId="267"/>
+            <ac:picMk id="8" creationId="{742F2984-15A7-ACE5-F555-EFD1179E8CE7}"/>
+          </ac:picMkLst>
+        </pc:picChg>
+      </pc:sldChg>
     </pc:docChg>
   </pc:docChgLst>
 </pc:chgInfo>
@@ -731,7 +794,7 @@
           <a:p>
             <a:fld id="{5BCAD085-E8A6-8845-BD4E-CB4CCA059FC4}" type="datetimeFigureOut">
               <a:rPr lang="en-US" smtClean="0"/>
-              <a:t>4/28/2025</a:t>
+              <a:t>4/29/2025</a:t>
             </a:fld>
             <a:endParaRPr lang="en-US"/>
           </a:p>
@@ -1055,7 +1118,7 @@
           <a:p>
             <a:fld id="{5BCAD085-E8A6-8845-BD4E-CB4CCA059FC4}" type="datetimeFigureOut">
               <a:rPr lang="en-US" smtClean="0"/>
-              <a:t>4/28/2025</a:t>
+              <a:t>4/29/2025</a:t>
             </a:fld>
             <a:endParaRPr lang="en-US"/>
           </a:p>
@@ -1303,7 +1366,7 @@
           <a:p>
             <a:fld id="{5BCAD085-E8A6-8845-BD4E-CB4CCA059FC4}" type="datetimeFigureOut">
               <a:rPr lang="en-US" smtClean="0"/>
-              <a:t>4/28/2025</a:t>
+              <a:t>4/29/2025</a:t>
             </a:fld>
             <a:endParaRPr lang="en-US"/>
           </a:p>
@@ -1642,7 +1705,7 @@
           <a:p>
             <a:fld id="{5BCAD085-E8A6-8845-BD4E-CB4CCA059FC4}" type="datetimeFigureOut">
               <a:rPr lang="en-US" smtClean="0"/>
-              <a:t>4/28/2025</a:t>
+              <a:t>4/29/2025</a:t>
             </a:fld>
             <a:endParaRPr lang="en-US"/>
           </a:p>
@@ -1989,7 +2052,7 @@
           <a:p>
             <a:fld id="{5BCAD085-E8A6-8845-BD4E-CB4CCA059FC4}" type="datetimeFigureOut">
               <a:rPr lang="en-US" smtClean="0"/>
-              <a:t>4/28/2025</a:t>
+              <a:t>4/29/2025</a:t>
             </a:fld>
             <a:endParaRPr lang="en-US"/>
           </a:p>
@@ -2363,7 +2426,7 @@
           <a:p>
             <a:fld id="{5BCAD085-E8A6-8845-BD4E-CB4CCA059FC4}" type="datetimeFigureOut">
               <a:rPr lang="en-US" smtClean="0"/>
-              <a:t>4/28/2025</a:t>
+              <a:t>4/29/2025</a:t>
             </a:fld>
             <a:endParaRPr lang="en-US"/>
           </a:p>
@@ -2833,7 +2896,7 @@
           <a:p>
             <a:fld id="{5BCAD085-E8A6-8845-BD4E-CB4CCA059FC4}" type="datetimeFigureOut">
               <a:rPr lang="en-US" smtClean="0"/>
-              <a:t>4/28/2025</a:t>
+              <a:t>4/29/2025</a:t>
             </a:fld>
             <a:endParaRPr lang="en-US"/>
           </a:p>
@@ -3043,7 +3106,7 @@
           <a:p>
             <a:fld id="{5BCAD085-E8A6-8845-BD4E-CB4CCA059FC4}" type="datetimeFigureOut">
               <a:rPr lang="en-US" smtClean="0"/>
-              <a:t>4/28/2025</a:t>
+              <a:t>4/29/2025</a:t>
             </a:fld>
             <a:endParaRPr lang="en-US"/>
           </a:p>
@@ -3254,7 +3317,7 @@
           <a:p>
             <a:fld id="{5BCAD085-E8A6-8845-BD4E-CB4CCA059FC4}" type="datetimeFigureOut">
               <a:rPr lang="en-US" smtClean="0"/>
-              <a:t>4/28/2025</a:t>
+              <a:t>4/29/2025</a:t>
             </a:fld>
             <a:endParaRPr lang="en-US"/>
           </a:p>
@@ -3486,7 +3549,7 @@
           <a:p>
             <a:fld id="{5BCAD085-E8A6-8845-BD4E-CB4CCA059FC4}" type="datetimeFigureOut">
               <a:rPr lang="en-US" smtClean="0"/>
-              <a:t>4/28/2025</a:t>
+              <a:t>4/29/2025</a:t>
             </a:fld>
             <a:endParaRPr lang="en-US"/>
           </a:p>
@@ -3734,7 +3797,7 @@
           <a:p>
             <a:fld id="{5BCAD085-E8A6-8845-BD4E-CB4CCA059FC4}" type="datetimeFigureOut">
               <a:rPr lang="en-US" smtClean="0"/>
-              <a:t>4/28/2025</a:t>
+              <a:t>4/29/2025</a:t>
             </a:fld>
             <a:endParaRPr lang="en-US"/>
           </a:p>
@@ -4037,7 +4100,7 @@
           <a:p>
             <a:fld id="{5BCAD085-E8A6-8845-BD4E-CB4CCA059FC4}" type="datetimeFigureOut">
               <a:rPr lang="en-US" smtClean="0"/>
-              <a:t>4/28/2025</a:t>
+              <a:t>4/29/2025</a:t>
             </a:fld>
             <a:endParaRPr lang="en-US"/>
           </a:p>
@@ -4419,7 +4482,7 @@
           <a:p>
             <a:fld id="{5BCAD085-E8A6-8845-BD4E-CB4CCA059FC4}" type="datetimeFigureOut">
               <a:rPr lang="en-US" smtClean="0"/>
-              <a:t>4/28/2025</a:t>
+              <a:t>4/29/2025</a:t>
             </a:fld>
             <a:endParaRPr lang="en-US"/>
           </a:p>
@@ -4573,7 +4636,7 @@
           <a:p>
             <a:fld id="{5BCAD085-E8A6-8845-BD4E-CB4CCA059FC4}" type="datetimeFigureOut">
               <a:rPr lang="en-US" smtClean="0"/>
-              <a:t>4/28/2025</a:t>
+              <a:t>4/29/2025</a:t>
             </a:fld>
             <a:endParaRPr lang="en-US"/>
           </a:p>
@@ -4699,7 +4762,7 @@
           <a:p>
             <a:fld id="{5BCAD085-E8A6-8845-BD4E-CB4CCA059FC4}" type="datetimeFigureOut">
               <a:rPr lang="en-US" smtClean="0"/>
-              <a:t>4/28/2025</a:t>
+              <a:t>4/29/2025</a:t>
             </a:fld>
             <a:endParaRPr lang="en-US"/>
           </a:p>
@@ -4954,7 +5017,7 @@
           <a:p>
             <a:fld id="{5BCAD085-E8A6-8845-BD4E-CB4CCA059FC4}" type="datetimeFigureOut">
               <a:rPr lang="en-US" smtClean="0"/>
-              <a:t>4/28/2025</a:t>
+              <a:t>4/29/2025</a:t>
             </a:fld>
             <a:endParaRPr lang="en-US"/>
           </a:p>
@@ -5268,7 +5331,7 @@
           <a:p>
             <a:fld id="{5BCAD085-E8A6-8845-BD4E-CB4CCA059FC4}" type="datetimeFigureOut">
               <a:rPr lang="en-US" smtClean="0"/>
-              <a:t>4/28/2025</a:t>
+              <a:t>4/29/2025</a:t>
             </a:fld>
             <a:endParaRPr lang="en-US"/>
           </a:p>
@@ -5619,7 +5682,7 @@
           <a:p>
             <a:fld id="{5BCAD085-E8A6-8845-BD4E-CB4CCA059FC4}" type="datetimeFigureOut">
               <a:rPr lang="en-US" smtClean="0"/>
-              <a:t>4/28/2025</a:t>
+              <a:t>4/29/2025</a:t>
             </a:fld>
             <a:endParaRPr lang="en-US"/>
           </a:p>
@@ -6256,6 +6319,86 @@
           <a:lstStyle/>
           <a:p>
             <a:r>
+              <a:t>Business Insights</a:t>
+            </a:r>
+          </a:p>
+        </p:txBody>
+      </p:sp>
+      <p:sp>
+        <p:nvSpPr>
+          <p:cNvPr id="3" name="Content Placeholder 2"/>
+          <p:cNvSpPr>
+            <a:spLocks noGrp="1"/>
+          </p:cNvSpPr>
+          <p:nvPr>
+            <p:ph idx="1"/>
+          </p:nvPr>
+        </p:nvSpPr>
+        <p:spPr/>
+        <p:txBody>
+          <a:bodyPr/>
+          <a:lstStyle/>
+          <a:p>
+            <a:r>
+              <a:rPr dirty="0"/>
+              <a:t>Retain and reward VIP customers (Clusters 0 and 2)</a:t>
+            </a:r>
+          </a:p>
+          <a:p>
+            <a:r>
+              <a:rPr dirty="0"/>
+              <a:t>Design reactivation campaigns for lost customers (Cluster 1)</a:t>
+            </a:r>
+          </a:p>
+          <a:p>
+            <a:r>
+              <a:rPr dirty="0"/>
+              <a:t>Nurture average customers (Cluster 3)</a:t>
+            </a:r>
+          </a:p>
+        </p:txBody>
+      </p:sp>
+    </p:spTree>
+  </p:cSld>
+  <p:clrMapOvr>
+    <a:masterClrMapping/>
+  </p:clrMapOvr>
+</p:sld>
+</file>
+
+<file path=ppt/slides/slide11.xml><?xml version="1.0" encoding="utf-8"?>
+<p:sld xmlns:a="http://schemas.openxmlformats.org/drawingml/2006/main" xmlns:r="http://schemas.openxmlformats.org/officeDocument/2006/relationships" xmlns:p="http://schemas.openxmlformats.org/presentationml/2006/main">
+  <p:cSld>
+    <p:spTree>
+      <p:nvGrpSpPr>
+        <p:cNvPr id="1" name=""/>
+        <p:cNvGrpSpPr/>
+        <p:nvPr/>
+      </p:nvGrpSpPr>
+      <p:grpSpPr>
+        <a:xfrm>
+          <a:off x="0" y="0"/>
+          <a:ext cx="0" cy="0"/>
+          <a:chOff x="0" y="0"/>
+          <a:chExt cx="0" cy="0"/>
+        </a:xfrm>
+      </p:grpSpPr>
+      <p:sp>
+        <p:nvSpPr>
+          <p:cNvPr id="2" name="Title 1"/>
+          <p:cNvSpPr>
+            <a:spLocks noGrp="1"/>
+          </p:cNvSpPr>
+          <p:nvPr>
+            <p:ph type="title"/>
+          </p:nvPr>
+        </p:nvSpPr>
+        <p:spPr/>
+        <p:txBody>
+          <a:bodyPr/>
+          <a:lstStyle/>
+          <a:p>
+            <a:r>
               <a:t>Conclusion and Future Work</a:t>
             </a:r>
           </a:p>
@@ -6843,7 +6986,13 @@
   <p:cSld>
     <p:spTree>
       <p:nvGrpSpPr>
-        <p:cNvPr id="1" name=""/>
+        <p:cNvPr id="1" name="">
+          <a:extLst>
+            <a:ext uri="{FF2B5EF4-FFF2-40B4-BE49-F238E27FC236}">
+              <a16:creationId xmlns:a16="http://schemas.microsoft.com/office/drawing/2014/main" id="{10A2E1BA-B798-48A9-6AD9-97EF75868C05}"/>
+            </a:ext>
+          </a:extLst>
+        </p:cNvPr>
         <p:cNvGrpSpPr/>
         <p:nvPr/>
       </p:nvGrpSpPr>
@@ -6857,66 +7006,178 @@
       </p:grpSpPr>
       <p:sp>
         <p:nvSpPr>
-          <p:cNvPr id="2" name="Title 1"/>
-          <p:cNvSpPr>
-            <a:spLocks noGrp="1"/>
-          </p:cNvSpPr>
-          <p:nvPr>
-            <p:ph type="title"/>
-          </p:nvPr>
-        </p:nvSpPr>
-        <p:spPr/>
-        <p:txBody>
-          <a:bodyPr/>
-          <a:lstStyle/>
-          <a:p>
-            <a:r>
-              <a:t>Final Clusters</a:t>
-            </a:r>
-          </a:p>
-        </p:txBody>
-      </p:sp>
-      <p:sp>
-        <p:nvSpPr>
-          <p:cNvPr id="3" name="Content Placeholder 2"/>
-          <p:cNvSpPr>
-            <a:spLocks noGrp="1"/>
-          </p:cNvSpPr>
-          <p:nvPr>
-            <p:ph idx="1"/>
-          </p:nvPr>
-        </p:nvSpPr>
-        <p:spPr/>
-        <p:txBody>
-          <a:bodyPr/>
-          <a:lstStyle/>
-          <a:p>
-            <a:r>
-              <a:rPr dirty="0"/>
-              <a:t>Cluster 0: Valuable Loyal Customers</a:t>
-            </a:r>
-          </a:p>
-          <a:p>
-            <a:r>
-              <a:rPr dirty="0"/>
-              <a:t>Cluster 1: Lost or Dormant Customers</a:t>
-            </a:r>
-          </a:p>
-          <a:p>
-            <a:r>
-              <a:rPr dirty="0"/>
-              <a:t>Cluster 2: Ultra VIP Customers</a:t>
-            </a:r>
-          </a:p>
-          <a:p>
-            <a:r>
-              <a:rPr dirty="0"/>
-              <a:t>Cluster 3: Average Customers</a:t>
-            </a:r>
-          </a:p>
-        </p:txBody>
-      </p:sp>
+          <p:cNvPr id="2" name="Title 1">
+            <a:extLst>
+              <a:ext uri="{FF2B5EF4-FFF2-40B4-BE49-F238E27FC236}">
+                <a16:creationId xmlns:a16="http://schemas.microsoft.com/office/drawing/2014/main" id="{DAEF0B5F-8C34-65EF-9053-0A428829B022}"/>
+              </a:ext>
+            </a:extLst>
+          </p:cNvPr>
+          <p:cNvSpPr>
+            <a:spLocks noGrp="1"/>
+          </p:cNvSpPr>
+          <p:nvPr>
+            <p:ph type="title" idx="4294967295"/>
+          </p:nvPr>
+        </p:nvSpPr>
+        <p:spPr>
+          <a:xfrm>
+            <a:off x="650513" y="595281"/>
+            <a:ext cx="7861384" cy="803935"/>
+          </a:xfrm>
+        </p:spPr>
+        <p:txBody>
+          <a:bodyPr>
+            <a:normAutofit fontScale="90000"/>
+          </a:bodyPr>
+          <a:lstStyle/>
+          <a:p>
+            <a:r>
+              <a:rPr lang="en-US" dirty="0"/>
+              <a:t>Validation Using Agglomerative Clustering</a:t>
+            </a:r>
+            <a:endParaRPr dirty="0"/>
+          </a:p>
+        </p:txBody>
+      </p:sp>
+      <p:sp>
+        <p:nvSpPr>
+          <p:cNvPr id="3" name="Content Placeholder 2">
+            <a:extLst>
+              <a:ext uri="{FF2B5EF4-FFF2-40B4-BE49-F238E27FC236}">
+                <a16:creationId xmlns:a16="http://schemas.microsoft.com/office/drawing/2014/main" id="{FC363167-790F-1581-F179-02F8427F0DAA}"/>
+              </a:ext>
+            </a:extLst>
+          </p:cNvPr>
+          <p:cNvSpPr>
+            <a:spLocks noGrp="1"/>
+          </p:cNvSpPr>
+          <p:nvPr>
+            <p:ph idx="4294967295"/>
+          </p:nvPr>
+        </p:nvSpPr>
+        <p:spPr>
+          <a:xfrm>
+            <a:off x="607554" y="4056498"/>
+            <a:ext cx="7904343" cy="1982223"/>
+          </a:xfrm>
+        </p:spPr>
+        <p:txBody>
+          <a:bodyPr>
+            <a:normAutofit fontScale="92500" lnSpcReduction="20000"/>
+          </a:bodyPr>
+          <a:lstStyle/>
+          <a:p>
+            <a:r>
+              <a:rPr lang="en-US" dirty="0"/>
+              <a:t>Applied </a:t>
+            </a:r>
+            <a:r>
+              <a:rPr lang="en-US" b="1" dirty="0"/>
+              <a:t>Agglomerative Clustering</a:t>
+            </a:r>
+            <a:r>
+              <a:rPr lang="en-US" dirty="0"/>
+              <a:t> to validate </a:t>
+            </a:r>
+            <a:r>
+              <a:rPr lang="en-US" dirty="0" err="1"/>
+              <a:t>KMeans</a:t>
+            </a:r>
+            <a:r>
+              <a:rPr lang="en-US" dirty="0"/>
+              <a:t> customer segments.</a:t>
+            </a:r>
+          </a:p>
+          <a:p>
+            <a:r>
+              <a:rPr lang="en-US" dirty="0"/>
+              <a:t>Hierarchical method — </a:t>
+            </a:r>
+            <a:r>
+              <a:rPr lang="en-US" b="1" dirty="0"/>
+              <a:t>no assumption</a:t>
+            </a:r>
+            <a:r>
+              <a:rPr lang="en-US" dirty="0"/>
+              <a:t> of spherical clusters</a:t>
+            </a:r>
+          </a:p>
+          <a:p>
+            <a:r>
+              <a:rPr lang="en-US" dirty="0"/>
+              <a:t>Detected similar customer groups as </a:t>
+            </a:r>
+            <a:r>
+              <a:rPr lang="en-US" dirty="0" err="1"/>
+              <a:t>KMeans</a:t>
+            </a:r>
+            <a:r>
+              <a:rPr lang="en-US" dirty="0"/>
+              <a:t>.</a:t>
+            </a:r>
+          </a:p>
+          <a:p>
+            <a:r>
+              <a:rPr lang="en-US" dirty="0"/>
+              <a:t>Confirmed </a:t>
+            </a:r>
+            <a:r>
+              <a:rPr lang="en-US" b="1" dirty="0"/>
+              <a:t>robustness</a:t>
+            </a:r>
+            <a:r>
+              <a:rPr lang="en-US" dirty="0"/>
+              <a:t> and </a:t>
+            </a:r>
+            <a:r>
+              <a:rPr lang="en-US" b="1" dirty="0"/>
+              <a:t>stability</a:t>
+            </a:r>
+            <a:r>
+              <a:rPr lang="en-US" dirty="0"/>
+              <a:t> of segmentation findings.</a:t>
+            </a:r>
+            <a:endParaRPr dirty="0"/>
+          </a:p>
+        </p:txBody>
+      </p:sp>
+      <p:pic>
+        <p:nvPicPr>
+          <p:cNvPr id="8" name="Picture 7">
+            <a:extLst>
+              <a:ext uri="{FF2B5EF4-FFF2-40B4-BE49-F238E27FC236}">
+                <a16:creationId xmlns:a16="http://schemas.microsoft.com/office/drawing/2014/main" id="{742F2984-15A7-ACE5-F555-EFD1179E8CE7}"/>
+              </a:ext>
+            </a:extLst>
+          </p:cNvPr>
+          <p:cNvPicPr>
+            <a:picLocks noChangeAspect="1"/>
+          </p:cNvPicPr>
+          <p:nvPr/>
+        </p:nvPicPr>
+        <p:blipFill>
+          <a:blip r:embed="rId2"/>
+          <a:stretch>
+            <a:fillRect/>
+          </a:stretch>
+        </p:blipFill>
+        <p:spPr>
+          <a:xfrm>
+            <a:off x="845142" y="1448311"/>
+            <a:ext cx="7472125" cy="2162243"/>
+          </a:xfrm>
+          <a:prstGeom prst="rect">
+            <a:avLst/>
+          </a:prstGeom>
+        </p:spPr>
+      </p:pic>
     </p:spTree>
+    <p:extLst>
+      <p:ext uri="{BB962C8B-B14F-4D97-AF65-F5344CB8AC3E}">
+        <p14:creationId xmlns:p14="http://schemas.microsoft.com/office/powerpoint/2010/main" val="3581140807"/>
+      </p:ext>
+    </p:extLst>
   </p:cSld>
   <p:clrMapOvr>
     <a:masterClrMapping/>
@@ -6948,109 +7209,60 @@
             <a:spLocks noGrp="1"/>
           </p:cNvSpPr>
           <p:nvPr>
-            <p:ph type="title" idx="4294967295"/>
-          </p:nvPr>
-        </p:nvSpPr>
-        <p:spPr>
-          <a:xfrm>
-            <a:off x="1172369" y="682785"/>
-            <a:ext cx="6799262" cy="685747"/>
-          </a:xfrm>
-        </p:spPr>
-        <p:txBody>
-          <a:bodyPr>
-            <a:normAutofit fontScale="90000"/>
-          </a:bodyPr>
+            <p:ph type="title"/>
+          </p:nvPr>
+        </p:nvSpPr>
+        <p:spPr/>
+        <p:txBody>
+          <a:bodyPr/>
+          <a:lstStyle/>
+          <a:p>
+            <a:r>
+              <a:t>Final Clusters</a:t>
+            </a:r>
+          </a:p>
+        </p:txBody>
+      </p:sp>
+      <p:sp>
+        <p:nvSpPr>
+          <p:cNvPr id="3" name="Content Placeholder 2"/>
+          <p:cNvSpPr>
+            <a:spLocks noGrp="1"/>
+          </p:cNvSpPr>
+          <p:nvPr>
+            <p:ph idx="1"/>
+          </p:nvPr>
+        </p:nvSpPr>
+        <p:spPr/>
+        <p:txBody>
+          <a:bodyPr/>
           <a:lstStyle/>
           <a:p>
             <a:r>
               <a:rPr dirty="0"/>
-              <a:t>Cluster Visualizations</a:t>
-            </a:r>
-          </a:p>
-        </p:txBody>
-      </p:sp>
-      <p:sp>
-        <p:nvSpPr>
-          <p:cNvPr id="3" name="Content Placeholder 2"/>
-          <p:cNvSpPr>
-            <a:spLocks noGrp="1"/>
-          </p:cNvSpPr>
-          <p:nvPr>
-            <p:ph idx="4294967295"/>
-          </p:nvPr>
-        </p:nvSpPr>
-        <p:spPr>
-          <a:xfrm>
-            <a:off x="871879" y="1975288"/>
-            <a:ext cx="2975965" cy="3989792"/>
-          </a:xfrm>
-        </p:spPr>
-        <p:txBody>
-          <a:bodyPr/>
-          <a:lstStyle/>
+              <a:t>Cluster 0: Valuable Loyal Customers</a:t>
+            </a:r>
+          </a:p>
           <a:p>
             <a:r>
               <a:rPr dirty="0"/>
-              <a:t>Bar plots comparing:</a:t>
+              <a:t>Cluster 1: Lost or Dormant Customers</a:t>
             </a:r>
           </a:p>
           <a:p>
             <a:r>
               <a:rPr dirty="0"/>
-              <a:t>Average Recency</a:t>
+              <a:t>Cluster 2: Ultra VIP Customers</a:t>
             </a:r>
           </a:p>
           <a:p>
             <a:r>
               <a:rPr dirty="0"/>
-              <a:t>Average Frequency</a:t>
-            </a:r>
-          </a:p>
-          <a:p>
-            <a:r>
-              <a:rPr dirty="0"/>
-              <a:t>Average Monetary Value</a:t>
-            </a:r>
-          </a:p>
-          <a:p>
-            <a:r>
-              <a:rPr dirty="0"/>
-              <a:t>Number of Customers per Cluster</a:t>
-            </a:r>
-          </a:p>
-        </p:txBody>
-      </p:sp>
-      <p:pic>
-        <p:nvPicPr>
-          <p:cNvPr id="5" name="Picture 4">
-            <a:extLst>
-              <a:ext uri="{FF2B5EF4-FFF2-40B4-BE49-F238E27FC236}">
-                <a16:creationId xmlns:a16="http://schemas.microsoft.com/office/drawing/2014/main" id="{88CF9273-1D6B-2752-FD40-0DF88ED51A70}"/>
-              </a:ext>
-            </a:extLst>
-          </p:cNvPr>
-          <p:cNvPicPr>
-            <a:picLocks noChangeAspect="1"/>
-          </p:cNvPicPr>
-          <p:nvPr/>
-        </p:nvPicPr>
-        <p:blipFill>
-          <a:blip r:embed="rId2"/>
-          <a:stretch>
-            <a:fillRect/>
-          </a:stretch>
-        </p:blipFill>
-        <p:spPr>
-          <a:xfrm>
-            <a:off x="4099584" y="1742884"/>
-            <a:ext cx="4319824" cy="4240606"/>
-          </a:xfrm>
-          <a:prstGeom prst="rect">
-            <a:avLst/>
-          </a:prstGeom>
-        </p:spPr>
-      </p:pic>
+              <a:t>Cluster 3: Average Customers</a:t>
+            </a:r>
+          </a:p>
+        </p:txBody>
+      </p:sp>
     </p:spTree>
   </p:cSld>
   <p:clrMapOvr>
@@ -7083,54 +7295,109 @@
             <a:spLocks noGrp="1"/>
           </p:cNvSpPr>
           <p:nvPr>
-            <p:ph type="title"/>
-          </p:nvPr>
-        </p:nvSpPr>
-        <p:spPr/>
+            <p:ph type="title" idx="4294967295"/>
+          </p:nvPr>
+        </p:nvSpPr>
+        <p:spPr>
+          <a:xfrm>
+            <a:off x="1172369" y="682785"/>
+            <a:ext cx="6799262" cy="685747"/>
+          </a:xfrm>
+        </p:spPr>
+        <p:txBody>
+          <a:bodyPr>
+            <a:normAutofit fontScale="90000"/>
+          </a:bodyPr>
+          <a:lstStyle/>
+          <a:p>
+            <a:r>
+              <a:rPr dirty="0"/>
+              <a:t>Cluster Visualizations</a:t>
+            </a:r>
+          </a:p>
+        </p:txBody>
+      </p:sp>
+      <p:sp>
+        <p:nvSpPr>
+          <p:cNvPr id="3" name="Content Placeholder 2"/>
+          <p:cNvSpPr>
+            <a:spLocks noGrp="1"/>
+          </p:cNvSpPr>
+          <p:nvPr>
+            <p:ph idx="4294967295"/>
+          </p:nvPr>
+        </p:nvSpPr>
+        <p:spPr>
+          <a:xfrm>
+            <a:off x="871879" y="1975288"/>
+            <a:ext cx="2975965" cy="3989792"/>
+          </a:xfrm>
+        </p:spPr>
         <p:txBody>
           <a:bodyPr/>
           <a:lstStyle/>
           <a:p>
             <a:r>
-              <a:t>Business Insights</a:t>
-            </a:r>
-          </a:p>
-        </p:txBody>
-      </p:sp>
-      <p:sp>
-        <p:nvSpPr>
-          <p:cNvPr id="3" name="Content Placeholder 2"/>
-          <p:cNvSpPr>
-            <a:spLocks noGrp="1"/>
-          </p:cNvSpPr>
-          <p:nvPr>
-            <p:ph idx="1"/>
-          </p:nvPr>
-        </p:nvSpPr>
-        <p:spPr/>
-        <p:txBody>
-          <a:bodyPr/>
-          <a:lstStyle/>
-          <a:p>
-            <a:r>
               <a:rPr dirty="0"/>
-              <a:t>Retain and reward VIP customers (Clusters 0 and 2)</a:t>
+              <a:t>Bar plots comparing:</a:t>
             </a:r>
           </a:p>
           <a:p>
             <a:r>
               <a:rPr dirty="0"/>
-              <a:t>Design reactivation campaigns for lost customers (Cluster 1)</a:t>
+              <a:t>Average Recency</a:t>
             </a:r>
           </a:p>
           <a:p>
             <a:r>
               <a:rPr dirty="0"/>
-              <a:t>Nurture average customers (Cluster 3)</a:t>
-            </a:r>
-          </a:p>
-        </p:txBody>
-      </p:sp>
+              <a:t>Average Frequency</a:t>
+            </a:r>
+          </a:p>
+          <a:p>
+            <a:r>
+              <a:rPr dirty="0"/>
+              <a:t>Average Monetary Value</a:t>
+            </a:r>
+          </a:p>
+          <a:p>
+            <a:r>
+              <a:rPr dirty="0"/>
+              <a:t>Number of Customers per Cluster</a:t>
+            </a:r>
+          </a:p>
+        </p:txBody>
+      </p:sp>
+      <p:pic>
+        <p:nvPicPr>
+          <p:cNvPr id="5" name="Picture 4">
+            <a:extLst>
+              <a:ext uri="{FF2B5EF4-FFF2-40B4-BE49-F238E27FC236}">
+                <a16:creationId xmlns:a16="http://schemas.microsoft.com/office/drawing/2014/main" id="{88CF9273-1D6B-2752-FD40-0DF88ED51A70}"/>
+              </a:ext>
+            </a:extLst>
+          </p:cNvPr>
+          <p:cNvPicPr>
+            <a:picLocks noChangeAspect="1"/>
+          </p:cNvPicPr>
+          <p:nvPr/>
+        </p:nvPicPr>
+        <p:blipFill>
+          <a:blip r:embed="rId2"/>
+          <a:stretch>
+            <a:fillRect/>
+          </a:stretch>
+        </p:blipFill>
+        <p:spPr>
+          <a:xfrm>
+            <a:off x="4099584" y="1742884"/>
+            <a:ext cx="4319824" cy="4240606"/>
+          </a:xfrm>
+          <a:prstGeom prst="rect">
+            <a:avLst/>
+          </a:prstGeom>
+        </p:spPr>
+      </p:pic>
     </p:spTree>
   </p:cSld>
   <p:clrMapOvr>
